--- a/Presentations/Week4 - Onboarding.pptx
+++ b/Presentations/Week4 - Onboarding.pptx
@@ -3609,7 +3609,7 @@
         <p:spPr>
           <a:xfrm>
             <a:off x="0" y="39835"/>
-            <a:ext cx="8894618" cy="3422475"/>
+            <a:ext cx="11887200" cy="3422475"/>
           </a:xfrm>
           <a:prstGeom prst="rect">
             <a:avLst/>
@@ -3638,7 +3638,27 @@
                 <a:latin typeface="Helvetica"/>
                 <a:cs typeface="Helvetica"/>
               </a:rPr>
-              <a:t>Onboarding Analysis of Glass SAMPLES</a:t>
+              <a:t>Week 1</a:t>
+            </a:r>
+          </a:p>
+          <a:p>
+            <a:pPr>
+              <a:lnSpc>
+                <a:spcPct val="90000"/>
+              </a:lnSpc>
+            </a:pPr>
+            <a:r>
+              <a:rPr lang="en-US" sz="8000" b="1" cap="small" spc="-300" dirty="0">
+                <a:ln w="3175">
+                  <a:noFill/>
+                </a:ln>
+                <a:solidFill>
+                  <a:schemeClr val="bg1"/>
+                </a:solidFill>
+                <a:latin typeface="Helvetica"/>
+                <a:cs typeface="Helvetica"/>
+              </a:rPr>
+              <a:t>Onboarding – Feature Engineering </a:t>
             </a:r>
           </a:p>
         </p:txBody>
@@ -8689,6 +8709,45 @@
           </a:extLst>
         </p:spPr>
       </p:pic>
+      <p:sp>
+        <p:nvSpPr>
+          <p:cNvPr id="3" name="TextBox 2">
+            <a:extLst>
+              <a:ext uri="{FF2B5EF4-FFF2-40B4-BE49-F238E27FC236}">
+                <a16:creationId xmlns:a16="http://schemas.microsoft.com/office/drawing/2014/main" id="{B481FEDF-5ABB-A048-987F-8CD11032A087}"/>
+              </a:ext>
+            </a:extLst>
+          </p:cNvPr>
+          <p:cNvSpPr txBox="1"/>
+          <p:nvPr/>
+        </p:nvSpPr>
+        <p:spPr>
+          <a:xfrm>
+            <a:off x="2085975" y="5815013"/>
+            <a:ext cx="6030625" cy="369332"/>
+          </a:xfrm>
+          <a:prstGeom prst="rect">
+            <a:avLst/>
+          </a:prstGeom>
+          <a:noFill/>
+        </p:spPr>
+        <p:txBody>
+          <a:bodyPr wrap="none" rtlCol="0">
+            <a:spAutoFit/>
+          </a:bodyPr>
+          <a:lstStyle/>
+          <a:p>
+            <a:r>
+              <a:rPr lang="en-US" dirty="0">
+                <a:solidFill>
+                  <a:schemeClr val="bg1"/>
+                </a:solidFill>
+              </a:rPr>
+              <a:t>Look at CS 111 Reading notes for tips on what to improve here</a:t>
+            </a:r>
+          </a:p>
+        </p:txBody>
+      </p:sp>
     </p:spTree>
     <p:extLst>
       <p:ext uri="{BB962C8B-B14F-4D97-AF65-F5344CB8AC3E}">

--- a/Presentations/Week4 - Onboarding.pptx
+++ b/Presentations/Week4 - Onboarding.pptx
@@ -115,6 +115,11 @@
       </a:defRPr>
     </a:lvl9pPr>
   </p:defaultTextStyle>
+  <p:extLst>
+    <p:ext uri="{EFAFB233-063F-42B5-8137-9DF3F51BA10A}">
+      <p15:sldGuideLst xmlns:p15="http://schemas.microsoft.com/office/powerpoint/2012/main"/>
+    </p:ext>
+  </p:extLst>
 </p:presentation>
 </file>
 
@@ -200,7 +205,7 @@
           <a:p>
             <a:fld id="{3B8471E3-2218-D247-AE4E-520E34DE8C31}" type="datetimeFigureOut">
               <a:rPr lang="en-US" smtClean="0"/>
-              <a:t>10/30/20</a:t>
+              <a:t>11/6/20</a:t>
             </a:fld>
             <a:endParaRPr lang="en-US"/>
           </a:p>
@@ -682,7 +687,7 @@
           <a:p>
             <a:fld id="{E8569D87-AA62-2644-A972-BEEB5DBA2C26}" type="datetimeFigureOut">
               <a:rPr lang="en-US" smtClean="0"/>
-              <a:t>10/30/20</a:t>
+              <a:t>11/6/20</a:t>
             </a:fld>
             <a:endParaRPr lang="en-US"/>
           </a:p>
@@ -852,7 +857,7 @@
           <a:p>
             <a:fld id="{E8569D87-AA62-2644-A972-BEEB5DBA2C26}" type="datetimeFigureOut">
               <a:rPr lang="en-US" smtClean="0"/>
-              <a:t>10/30/20</a:t>
+              <a:t>11/6/20</a:t>
             </a:fld>
             <a:endParaRPr lang="en-US"/>
           </a:p>
@@ -1032,7 +1037,7 @@
           <a:p>
             <a:fld id="{E8569D87-AA62-2644-A972-BEEB5DBA2C26}" type="datetimeFigureOut">
               <a:rPr lang="en-US" smtClean="0"/>
-              <a:t>10/30/20</a:t>
+              <a:t>11/6/20</a:t>
             </a:fld>
             <a:endParaRPr lang="en-US"/>
           </a:p>
@@ -1202,7 +1207,7 @@
           <a:p>
             <a:fld id="{E8569D87-AA62-2644-A972-BEEB5DBA2C26}" type="datetimeFigureOut">
               <a:rPr lang="en-US" smtClean="0"/>
-              <a:t>10/30/20</a:t>
+              <a:t>11/6/20</a:t>
             </a:fld>
             <a:endParaRPr lang="en-US"/>
           </a:p>
@@ -1448,7 +1453,7 @@
           <a:p>
             <a:fld id="{E8569D87-AA62-2644-A972-BEEB5DBA2C26}" type="datetimeFigureOut">
               <a:rPr lang="en-US" smtClean="0"/>
-              <a:t>10/30/20</a:t>
+              <a:t>11/6/20</a:t>
             </a:fld>
             <a:endParaRPr lang="en-US"/>
           </a:p>
@@ -1680,7 +1685,7 @@
           <a:p>
             <a:fld id="{E8569D87-AA62-2644-A972-BEEB5DBA2C26}" type="datetimeFigureOut">
               <a:rPr lang="en-US" smtClean="0"/>
-              <a:t>10/30/20</a:t>
+              <a:t>11/6/20</a:t>
             </a:fld>
             <a:endParaRPr lang="en-US"/>
           </a:p>
@@ -2047,7 +2052,7 @@
           <a:p>
             <a:fld id="{E8569D87-AA62-2644-A972-BEEB5DBA2C26}" type="datetimeFigureOut">
               <a:rPr lang="en-US" smtClean="0"/>
-              <a:t>10/30/20</a:t>
+              <a:t>11/6/20</a:t>
             </a:fld>
             <a:endParaRPr lang="en-US"/>
           </a:p>
@@ -2165,7 +2170,7 @@
           <a:p>
             <a:fld id="{E8569D87-AA62-2644-A972-BEEB5DBA2C26}" type="datetimeFigureOut">
               <a:rPr lang="en-US" smtClean="0"/>
-              <a:t>10/30/20</a:t>
+              <a:t>11/6/20</a:t>
             </a:fld>
             <a:endParaRPr lang="en-US"/>
           </a:p>
@@ -2260,7 +2265,7 @@
           <a:p>
             <a:fld id="{E8569D87-AA62-2644-A972-BEEB5DBA2C26}" type="datetimeFigureOut">
               <a:rPr lang="en-US" smtClean="0"/>
-              <a:t>10/30/20</a:t>
+              <a:t>11/6/20</a:t>
             </a:fld>
             <a:endParaRPr lang="en-US"/>
           </a:p>
@@ -2537,7 +2542,7 @@
           <a:p>
             <a:fld id="{E8569D87-AA62-2644-A972-BEEB5DBA2C26}" type="datetimeFigureOut">
               <a:rPr lang="en-US" smtClean="0"/>
-              <a:t>10/30/20</a:t>
+              <a:t>11/6/20</a:t>
             </a:fld>
             <a:endParaRPr lang="en-US"/>
           </a:p>
@@ -2794,7 +2799,7 @@
           <a:p>
             <a:fld id="{E8569D87-AA62-2644-A972-BEEB5DBA2C26}" type="datetimeFigureOut">
               <a:rPr lang="en-US" smtClean="0"/>
-              <a:t>10/30/20</a:t>
+              <a:t>11/6/20</a:t>
             </a:fld>
             <a:endParaRPr lang="en-US"/>
           </a:p>
@@ -3007,7 +3012,7 @@
           <a:p>
             <a:fld id="{E8569D87-AA62-2644-A972-BEEB5DBA2C26}" type="datetimeFigureOut">
               <a:rPr lang="en-US" smtClean="0"/>
-              <a:t>10/30/20</a:t>
+              <a:t>11/6/20</a:t>
             </a:fld>
             <a:endParaRPr lang="en-US"/>
           </a:p>
@@ -3628,7 +3633,7 @@
               </a:lnSpc>
             </a:pPr>
             <a:r>
-              <a:rPr lang="en-US" sz="8000" b="1" cap="small" spc="-300" dirty="0">
+              <a:rPr lang="en-US" sz="8000" b="1" cap="small" spc="-300">
                 <a:ln w="3175">
                   <a:noFill/>
                 </a:ln>
@@ -3638,8 +3643,18 @@
                 <a:latin typeface="Helvetica"/>
                 <a:cs typeface="Helvetica"/>
               </a:rPr>
-              <a:t>Week 1</a:t>
-            </a:r>
+              <a:t>Week 4</a:t>
+            </a:r>
+            <a:endParaRPr lang="en-US" sz="8000" b="1" cap="small" spc="-300" dirty="0">
+              <a:ln w="3175">
+                <a:noFill/>
+              </a:ln>
+              <a:solidFill>
+                <a:schemeClr val="bg1"/>
+              </a:solidFill>
+              <a:latin typeface="Helvetica"/>
+              <a:cs typeface="Helvetica"/>
+            </a:endParaRPr>
           </a:p>
           <a:p>
             <a:pPr>
@@ -7410,8 +7425,8 @@
           </a:p>
         </p:txBody>
       </p:sp>
-      <mc:AlternateContent xmlns:mc="http://schemas.openxmlformats.org/markup-compatibility/2006">
-        <mc:Choice xmlns:a14="http://schemas.microsoft.com/office/drawing/2010/main" Requires="a14">
+      <mc:AlternateContent xmlns:mc="http://schemas.openxmlformats.org/markup-compatibility/2006" xmlns:a14="http://schemas.microsoft.com/office/drawing/2010/main">
+        <mc:Choice Requires="a14">
           <p:sp>
             <p:nvSpPr>
               <p:cNvPr id="16" name="TextBox 15">
@@ -8072,7 +8087,7 @@
             </p:txBody>
           </p:sp>
         </mc:Choice>
-        <mc:Fallback>
+        <mc:Fallback xmlns="">
           <p:sp>
             <p:nvSpPr>
               <p:cNvPr id="16" name="TextBox 15">
